--- a/SGM.pptx
+++ b/SGM.pptx
@@ -5319,7 +5319,7 @@
         <p:spPr>
           <a:xfrm rot="0">
             <a:off x="10203614" y="2327847"/>
-            <a:ext cx="7554579" cy="4644820"/>
+            <a:ext cx="7554579" cy="5302045"/>
           </a:xfrm>
           <a:prstGeom prst="rect">
             <a:avLst/>
@@ -5424,7 +5424,7 @@
                 <a:cs typeface="Agrandir"/>
                 <a:sym typeface="Agrandir"/>
               </a:rPr>
-              <a:t>Aplicação: Usado para Logs de Auditoria (desafoga o MySQL).</a:t>
+              <a:t>Aplicação: Usado dados não estruturados do Diário Clínico do Paciente</a:t>
             </a:r>
           </a:p>
           <a:p>
@@ -6189,7 +6189,7 @@
                 <a:cs typeface="Public Sans"/>
                 <a:sym typeface="Public Sans"/>
               </a:rPr>
-              <a:t>vw_lembretes_pendentes para consultas rápidas na API.</a:t>
+              <a:t>vw_lembretes_hoje para consultas rápidas na API.</a:t>
             </a:r>
           </a:p>
           <a:p>
